--- a/Networked System and Applications/week19/EENGM0009-3-06-IoT-6LoWPAN(1).pptx
+++ b/Networked System and Applications/week19/EENGM0009-3-06-IoT-6LoWPAN(1).pptx
@@ -190,45 +190,6 @@
 <file path=ppt/changesInfos/changesInfo1.xml><?xml version="1.0" encoding="utf-8"?>
 <pc:chgInfo xmlns:a="http://schemas.openxmlformats.org/drawingml/2006/main" xmlns:r="http://schemas.openxmlformats.org/officeDocument/2006/relationships" xmlns:ac="http://schemas.microsoft.com/office/drawing/2013/main/command" xmlns:pc="http://schemas.microsoft.com/office/powerpoint/2013/main/command">
   <pc:docChgLst>
-    <pc:chgData name="George Oikonomou" userId="e5e5709f-5788-4bb9-a2cb-c47cfc333c75" providerId="ADAL" clId="{BB1F7C1A-0D23-B344-A006-05045FC3101C}"/>
-    <pc:docChg chg="modSld modShowInfo">
-      <pc:chgData name="George Oikonomou" userId="e5e5709f-5788-4bb9-a2cb-c47cfc333c75" providerId="ADAL" clId="{BB1F7C1A-0D23-B344-A006-05045FC3101C}" dt="2021-03-15T16:57:25.637" v="13" actId="2744"/>
-      <pc:docMkLst>
-        <pc:docMk/>
-      </pc:docMkLst>
-      <pc:sldChg chg="modSp mod">
-        <pc:chgData name="George Oikonomou" userId="e5e5709f-5788-4bb9-a2cb-c47cfc333c75" providerId="ADAL" clId="{BB1F7C1A-0D23-B344-A006-05045FC3101C}" dt="2021-03-15T16:43:57.226" v="12" actId="14100"/>
-        <pc:sldMkLst>
-          <pc:docMk/>
-          <pc:sldMk cId="3199721459" sldId="268"/>
-        </pc:sldMkLst>
-        <pc:spChg chg="mod">
-          <ac:chgData name="George Oikonomou" userId="e5e5709f-5788-4bb9-a2cb-c47cfc333c75" providerId="ADAL" clId="{BB1F7C1A-0D23-B344-A006-05045FC3101C}" dt="2021-03-15T16:43:57.226" v="12" actId="14100"/>
-          <ac:spMkLst>
-            <pc:docMk/>
-            <pc:sldMk cId="3199721459" sldId="268"/>
-            <ac:spMk id="117785" creationId="{00000000-0000-0000-0000-000000000000}"/>
-          </ac:spMkLst>
-        </pc:spChg>
-      </pc:sldChg>
-      <pc:sldChg chg="modSp">
-        <pc:chgData name="George Oikonomou" userId="e5e5709f-5788-4bb9-a2cb-c47cfc333c75" providerId="ADAL" clId="{BB1F7C1A-0D23-B344-A006-05045FC3101C}" dt="2021-03-01T20:17:26.028" v="0"/>
-        <pc:sldMkLst>
-          <pc:docMk/>
-          <pc:sldMk cId="442708218" sldId="349"/>
-        </pc:sldMkLst>
-        <pc:spChg chg="mod">
-          <ac:chgData name="George Oikonomou" userId="e5e5709f-5788-4bb9-a2cb-c47cfc333c75" providerId="ADAL" clId="{BB1F7C1A-0D23-B344-A006-05045FC3101C}" dt="2021-03-01T20:17:26.028" v="0"/>
-          <ac:spMkLst>
-            <pc:docMk/>
-            <pc:sldMk cId="442708218" sldId="349"/>
-            <ac:spMk id="4098" creationId="{00000000-0000-0000-0000-000000000000}"/>
-          </ac:spMkLst>
-        </pc:spChg>
-      </pc:sldChg>
-    </pc:docChg>
-  </pc:docChgLst>
-  <pc:docChgLst>
     <pc:chgData name="George Oikonomou" userId="e5e5709f-5788-4bb9-a2cb-c47cfc333c75" providerId="ADAL" clId="{E1372E27-8494-A546-944D-CE4F68A15D2F}"/>
     <pc:docChg chg="undo custSel modSld sldOrd">
       <pc:chgData name="George Oikonomou" userId="e5e5709f-5788-4bb9-a2cb-c47cfc333c75" providerId="ADAL" clId="{E1372E27-8494-A546-944D-CE4F68A15D2F}" dt="2020-02-24T17:42:04.918" v="393" actId="20577"/>
@@ -289,6 +250,45 @@
       </pc:sldChg>
     </pc:docChg>
   </pc:docChgLst>
+  <pc:docChgLst>
+    <pc:chgData name="George Oikonomou" userId="e5e5709f-5788-4bb9-a2cb-c47cfc333c75" providerId="ADAL" clId="{BB1F7C1A-0D23-B344-A006-05045FC3101C}"/>
+    <pc:docChg chg="modSld modShowInfo">
+      <pc:chgData name="George Oikonomou" userId="e5e5709f-5788-4bb9-a2cb-c47cfc333c75" providerId="ADAL" clId="{BB1F7C1A-0D23-B344-A006-05045FC3101C}" dt="2021-03-15T16:57:25.637" v="13" actId="2744"/>
+      <pc:docMkLst>
+        <pc:docMk/>
+      </pc:docMkLst>
+      <pc:sldChg chg="modSp mod">
+        <pc:chgData name="George Oikonomou" userId="e5e5709f-5788-4bb9-a2cb-c47cfc333c75" providerId="ADAL" clId="{BB1F7C1A-0D23-B344-A006-05045FC3101C}" dt="2021-03-15T16:43:57.226" v="12" actId="14100"/>
+        <pc:sldMkLst>
+          <pc:docMk/>
+          <pc:sldMk cId="3199721459" sldId="268"/>
+        </pc:sldMkLst>
+        <pc:spChg chg="mod">
+          <ac:chgData name="George Oikonomou" userId="e5e5709f-5788-4bb9-a2cb-c47cfc333c75" providerId="ADAL" clId="{BB1F7C1A-0D23-B344-A006-05045FC3101C}" dt="2021-03-15T16:43:57.226" v="12" actId="14100"/>
+          <ac:spMkLst>
+            <pc:docMk/>
+            <pc:sldMk cId="3199721459" sldId="268"/>
+            <ac:spMk id="117785" creationId="{00000000-0000-0000-0000-000000000000}"/>
+          </ac:spMkLst>
+        </pc:spChg>
+      </pc:sldChg>
+      <pc:sldChg chg="modSp">
+        <pc:chgData name="George Oikonomou" userId="e5e5709f-5788-4bb9-a2cb-c47cfc333c75" providerId="ADAL" clId="{BB1F7C1A-0D23-B344-A006-05045FC3101C}" dt="2021-03-01T20:17:26.028" v="0"/>
+        <pc:sldMkLst>
+          <pc:docMk/>
+          <pc:sldMk cId="442708218" sldId="349"/>
+        </pc:sldMkLst>
+        <pc:spChg chg="mod">
+          <ac:chgData name="George Oikonomou" userId="e5e5709f-5788-4bb9-a2cb-c47cfc333c75" providerId="ADAL" clId="{BB1F7C1A-0D23-B344-A006-05045FC3101C}" dt="2021-03-01T20:17:26.028" v="0"/>
+          <ac:spMkLst>
+            <pc:docMk/>
+            <pc:sldMk cId="442708218" sldId="349"/>
+            <ac:spMk id="4098" creationId="{00000000-0000-0000-0000-000000000000}"/>
+          </ac:spMkLst>
+        </pc:spChg>
+      </pc:sldChg>
+    </pc:docChg>
+  </pc:docChgLst>
 </pc:chgInfo>
 </file>
 
@@ -339,14 +339,14 @@
           </a:ln>
           <a:extLst>
             <a:ext uri="{909E8E84-426E-40dd-AFC4-6F175D3DCCD1}">
-              <a14:hiddenFill xmlns:a14="http://schemas.microsoft.com/office/drawing/2010/main" xmlns="">
+              <a14:hiddenFill xmlns="" xmlns:a14="http://schemas.microsoft.com/office/drawing/2010/main">
                 <a:solidFill>
                   <a:srgbClr val="FFFFFF"/>
                 </a:solidFill>
               </a14:hiddenFill>
             </a:ext>
             <a:ext uri="{91240B29-F687-4f45-9708-019B960494DF}">
-              <a14:hiddenLine xmlns:a14="http://schemas.microsoft.com/office/drawing/2010/main" xmlns="" w="12700">
+              <a14:hiddenLine xmlns="" xmlns:a14="http://schemas.microsoft.com/office/drawing/2010/main" w="12700">
                 <a:solidFill>
                   <a:srgbClr val="000000"/>
                 </a:solidFill>
@@ -487,14 +487,14 @@
           </a:ln>
           <a:extLst>
             <a:ext uri="{909E8E84-426E-40dd-AFC4-6F175D3DCCD1}">
-              <a14:hiddenFill xmlns:a14="http://schemas.microsoft.com/office/drawing/2010/main" xmlns="">
+              <a14:hiddenFill xmlns="" xmlns:a14="http://schemas.microsoft.com/office/drawing/2010/main">
                 <a:solidFill>
                   <a:srgbClr val="FFFFFF"/>
                 </a:solidFill>
               </a14:hiddenFill>
             </a:ext>
             <a:ext uri="{91240B29-F687-4f45-9708-019B960494DF}">
-              <a14:hiddenLine xmlns:a14="http://schemas.microsoft.com/office/drawing/2010/main" xmlns="" w="12700">
+              <a14:hiddenLine xmlns="" xmlns:a14="http://schemas.microsoft.com/office/drawing/2010/main" w="12700">
                 <a:solidFill>
                   <a:srgbClr val="000000"/>
                 </a:solidFill>
@@ -866,7 +866,7 @@
           </a:ln>
           <a:extLst>
             <a:ext uri="{909E8E84-426E-40dd-AFC4-6F175D3DCCD1}">
-              <a14:hiddenFill xmlns:a14="http://schemas.microsoft.com/office/drawing/2010/main" xmlns="">
+              <a14:hiddenFill xmlns="" xmlns:a14="http://schemas.microsoft.com/office/drawing/2010/main">
                 <a:solidFill>
                   <a:srgbClr val="FFFFFF"/>
                 </a:solidFill>
@@ -1055,14 +1055,14 @@
           <a:ln w="9525"/>
           <a:extLst>
             <a:ext uri="{909E8E84-426E-40dd-AFC4-6F175D3DCCD1}">
-              <a14:hiddenFill xmlns:a14="http://schemas.microsoft.com/office/drawing/2010/main" xmlns="">
+              <a14:hiddenFill xmlns="" xmlns:a14="http://schemas.microsoft.com/office/drawing/2010/main">
                 <a:solidFill>
                   <a:srgbClr val="FFFFFF"/>
                 </a:solidFill>
               </a14:hiddenFill>
             </a:ext>
             <a:ext uri="{91240B29-F687-4f45-9708-019B960494DF}">
-              <a14:hiddenLine xmlns:a14="http://schemas.microsoft.com/office/drawing/2010/main" xmlns="" w="9525">
+              <a14:hiddenLine xmlns="" xmlns:a14="http://schemas.microsoft.com/office/drawing/2010/main" w="9525">
                 <a:solidFill>
                   <a:srgbClr val="000000"/>
                 </a:solidFill>
@@ -4398,7 +4398,7 @@
           <a:noFill/>
           <a:extLst>
             <a:ext uri="{909E8E84-426E-40dd-AFC4-6F175D3DCCD1}">
-              <a14:hiddenFill xmlns:a14="http://schemas.microsoft.com/office/drawing/2010/main" xmlns="">
+              <a14:hiddenFill xmlns="" xmlns:a14="http://schemas.microsoft.com/office/drawing/2010/main">
                 <a:solidFill>
                   <a:srgbClr val="FFFFFF"/>
                 </a:solidFill>
@@ -6186,7 +6186,7 @@
           <a:effectLst/>
           <a:extLst>
             <a:ext uri="{AF507438-7753-43e0-B8FC-AC1667EBCBE1}">
-              <a14:hiddenEffects xmlns:a14="http://schemas.microsoft.com/office/drawing/2010/main" xmlns="">
+              <a14:hiddenEffects xmlns="" xmlns:a14="http://schemas.microsoft.com/office/drawing/2010/main">
                 <a:effectLst>
                   <a:outerShdw blurRad="63500" dist="38099" dir="2700000" algn="ctr" rotWithShape="0">
                     <a:schemeClr val="bg2">
@@ -6271,7 +6271,7 @@
           <a:effectLst/>
           <a:extLst>
             <a:ext uri="{AF507438-7753-43e0-B8FC-AC1667EBCBE1}">
-              <a14:hiddenEffects xmlns:a14="http://schemas.microsoft.com/office/drawing/2010/main" xmlns="">
+              <a14:hiddenEffects xmlns="" xmlns:a14="http://schemas.microsoft.com/office/drawing/2010/main">
                 <a:effectLst>
                   <a:outerShdw blurRad="63500" dist="38099" dir="2700000" algn="ctr" rotWithShape="0">
                     <a:schemeClr val="bg2">
@@ -6328,14 +6328,14 @@
           <a:effectLst/>
           <a:extLst>
             <a:ext uri="{909E8E84-426E-40dd-AFC4-6F175D3DCCD1}">
-              <a14:hiddenFill xmlns:a14="http://schemas.microsoft.com/office/drawing/2010/main" xmlns="">
+              <a14:hiddenFill xmlns="" xmlns:a14="http://schemas.microsoft.com/office/drawing/2010/main">
                 <a:solidFill>
                   <a:srgbClr val="9954DE"/>
                 </a:solidFill>
               </a14:hiddenFill>
             </a:ext>
             <a:ext uri="{91240B29-F687-4f45-9708-019B960494DF}">
-              <a14:hiddenLine xmlns:a14="http://schemas.microsoft.com/office/drawing/2010/main" xmlns="" w="9525">
+              <a14:hiddenLine xmlns="" xmlns:a14="http://schemas.microsoft.com/office/drawing/2010/main" w="9525">
                 <a:solidFill>
                   <a:schemeClr val="tx1"/>
                 </a:solidFill>
@@ -6345,7 +6345,7 @@
               </a14:hiddenLine>
             </a:ext>
             <a:ext uri="{AF507438-7753-43e0-B8FC-AC1667EBCBE1}">
-              <a14:hiddenEffects xmlns:a14="http://schemas.microsoft.com/office/drawing/2010/main" xmlns="">
+              <a14:hiddenEffects xmlns="" xmlns:a14="http://schemas.microsoft.com/office/drawing/2010/main">
                 <a:effectLst>
                   <a:outerShdw blurRad="63500" dist="38099" dir="2700000" algn="ctr" rotWithShape="0">
                     <a:schemeClr val="bg2">
@@ -6410,14 +6410,14 @@
           <a:effectLst/>
           <a:extLst>
             <a:ext uri="{909E8E84-426E-40dd-AFC4-6F175D3DCCD1}">
-              <a14:hiddenFill xmlns:a14="http://schemas.microsoft.com/office/drawing/2010/main" xmlns="">
+              <a14:hiddenFill xmlns="" xmlns:a14="http://schemas.microsoft.com/office/drawing/2010/main">
                 <a:solidFill>
                   <a:srgbClr val="9954DE"/>
                 </a:solidFill>
               </a14:hiddenFill>
             </a:ext>
             <a:ext uri="{AF507438-7753-43e0-B8FC-AC1667EBCBE1}">
-              <a14:hiddenEffects xmlns:a14="http://schemas.microsoft.com/office/drawing/2010/main" xmlns="">
+              <a14:hiddenEffects xmlns="" xmlns:a14="http://schemas.microsoft.com/office/drawing/2010/main">
                 <a:effectLst>
                   <a:outerShdw blurRad="63500" dist="38099" dir="2700000" algn="ctr" rotWithShape="0">
                     <a:schemeClr val="bg2">
@@ -6465,14 +6465,14 @@
           <a:effectLst/>
           <a:extLst>
             <a:ext uri="{909E8E84-426E-40dd-AFC4-6F175D3DCCD1}">
-              <a14:hiddenFill xmlns:a14="http://schemas.microsoft.com/office/drawing/2010/main" xmlns="">
+              <a14:hiddenFill xmlns="" xmlns:a14="http://schemas.microsoft.com/office/drawing/2010/main">
                 <a:solidFill>
                   <a:srgbClr val="9954DE"/>
                 </a:solidFill>
               </a14:hiddenFill>
             </a:ext>
             <a:ext uri="{91240B29-F687-4f45-9708-019B960494DF}">
-              <a14:hiddenLine xmlns:a14="http://schemas.microsoft.com/office/drawing/2010/main" xmlns="" w="9525">
+              <a14:hiddenLine xmlns="" xmlns:a14="http://schemas.microsoft.com/office/drawing/2010/main" w="9525">
                 <a:solidFill>
                   <a:schemeClr val="tx1"/>
                 </a:solidFill>
@@ -6482,7 +6482,7 @@
               </a14:hiddenLine>
             </a:ext>
             <a:ext uri="{AF507438-7753-43e0-B8FC-AC1667EBCBE1}">
-              <a14:hiddenEffects xmlns:a14="http://schemas.microsoft.com/office/drawing/2010/main" xmlns="">
+              <a14:hiddenEffects xmlns="" xmlns:a14="http://schemas.microsoft.com/office/drawing/2010/main">
                 <a:effectLst>
                   <a:outerShdw blurRad="63500" dist="38099" dir="2700000" algn="ctr" rotWithShape="0">
                     <a:schemeClr val="bg2">
@@ -6541,14 +6541,14 @@
           <a:effectLst/>
           <a:extLst>
             <a:ext uri="{909E8E84-426E-40dd-AFC4-6F175D3DCCD1}">
-              <a14:hiddenFill xmlns:a14="http://schemas.microsoft.com/office/drawing/2010/main" xmlns="">
+              <a14:hiddenFill xmlns="" xmlns:a14="http://schemas.microsoft.com/office/drawing/2010/main">
                 <a:solidFill>
                   <a:srgbClr val="9954DE"/>
                 </a:solidFill>
               </a14:hiddenFill>
             </a:ext>
             <a:ext uri="{91240B29-F687-4f45-9708-019B960494DF}">
-              <a14:hiddenLine xmlns:a14="http://schemas.microsoft.com/office/drawing/2010/main" xmlns="" w="9525">
+              <a14:hiddenLine xmlns="" xmlns:a14="http://schemas.microsoft.com/office/drawing/2010/main" w="9525">
                 <a:solidFill>
                   <a:schemeClr val="tx1"/>
                 </a:solidFill>
@@ -6558,7 +6558,7 @@
               </a14:hiddenLine>
             </a:ext>
             <a:ext uri="{AF507438-7753-43e0-B8FC-AC1667EBCBE1}">
-              <a14:hiddenEffects xmlns:a14="http://schemas.microsoft.com/office/drawing/2010/main" xmlns="">
+              <a14:hiddenEffects xmlns="" xmlns:a14="http://schemas.microsoft.com/office/drawing/2010/main">
                 <a:effectLst>
                   <a:outerShdw blurRad="63500" dist="38099" dir="2700000" algn="ctr" rotWithShape="0">
                     <a:schemeClr val="bg2">
@@ -6622,7 +6622,7 @@
           <a:effectLst/>
           <a:extLst>
             <a:ext uri="{AF507438-7753-43e0-B8FC-AC1667EBCBE1}">
-              <a14:hiddenEffects xmlns:a14="http://schemas.microsoft.com/office/drawing/2010/main" xmlns="">
+              <a14:hiddenEffects xmlns="" xmlns:a14="http://schemas.microsoft.com/office/drawing/2010/main">
                 <a:effectLst>
                   <a:outerShdw blurRad="63500" dist="38099" dir="2700000" algn="ctr" rotWithShape="0">
                     <a:schemeClr val="bg2">
@@ -6687,14 +6687,14 @@
           <a:effectLst/>
           <a:extLst>
             <a:ext uri="{909E8E84-426E-40dd-AFC4-6F175D3DCCD1}">
-              <a14:hiddenFill xmlns:a14="http://schemas.microsoft.com/office/drawing/2010/main" xmlns="">
+              <a14:hiddenFill xmlns="" xmlns:a14="http://schemas.microsoft.com/office/drawing/2010/main">
                 <a:solidFill>
                   <a:srgbClr val="9954DE"/>
                 </a:solidFill>
               </a14:hiddenFill>
             </a:ext>
             <a:ext uri="{AF507438-7753-43e0-B8FC-AC1667EBCBE1}">
-              <a14:hiddenEffects xmlns:a14="http://schemas.microsoft.com/office/drawing/2010/main" xmlns="">
+              <a14:hiddenEffects xmlns="" xmlns:a14="http://schemas.microsoft.com/office/drawing/2010/main">
                 <a:effectLst>
                   <a:outerShdw blurRad="63500" dist="38099" dir="2700000" algn="ctr" rotWithShape="0">
                     <a:schemeClr val="bg2">
@@ -6742,14 +6742,14 @@
           <a:effectLst/>
           <a:extLst>
             <a:ext uri="{909E8E84-426E-40dd-AFC4-6F175D3DCCD1}">
-              <a14:hiddenFill xmlns:a14="http://schemas.microsoft.com/office/drawing/2010/main" xmlns="">
+              <a14:hiddenFill xmlns="" xmlns:a14="http://schemas.microsoft.com/office/drawing/2010/main">
                 <a:solidFill>
                   <a:srgbClr val="9954DE"/>
                 </a:solidFill>
               </a14:hiddenFill>
             </a:ext>
             <a:ext uri="{91240B29-F687-4f45-9708-019B960494DF}">
-              <a14:hiddenLine xmlns:a14="http://schemas.microsoft.com/office/drawing/2010/main" xmlns="" w="9525">
+              <a14:hiddenLine xmlns="" xmlns:a14="http://schemas.microsoft.com/office/drawing/2010/main" w="9525">
                 <a:solidFill>
                   <a:schemeClr val="tx1"/>
                 </a:solidFill>
@@ -6759,7 +6759,7 @@
               </a14:hiddenLine>
             </a:ext>
             <a:ext uri="{AF507438-7753-43e0-B8FC-AC1667EBCBE1}">
-              <a14:hiddenEffects xmlns:a14="http://schemas.microsoft.com/office/drawing/2010/main" xmlns="">
+              <a14:hiddenEffects xmlns="" xmlns:a14="http://schemas.microsoft.com/office/drawing/2010/main">
                 <a:effectLst>
                   <a:outerShdw blurRad="63500" dist="38099" dir="2700000" algn="ctr" rotWithShape="0">
                     <a:schemeClr val="bg2">
@@ -6938,7 +6938,7 @@
           <a:effectLst/>
           <a:extLst>
             <a:ext uri="{AF507438-7753-43e0-B8FC-AC1667EBCBE1}">
-              <a14:hiddenEffects xmlns:a14="http://schemas.microsoft.com/office/drawing/2010/main" xmlns="">
+              <a14:hiddenEffects xmlns="" xmlns:a14="http://schemas.microsoft.com/office/drawing/2010/main">
                 <a:effectLst>
                   <a:outerShdw blurRad="63500" dist="38099" dir="2700000" algn="ctr" rotWithShape="0">
                     <a:schemeClr val="bg2">
@@ -7023,7 +7023,7 @@
           <a:effectLst/>
           <a:extLst>
             <a:ext uri="{AF507438-7753-43e0-B8FC-AC1667EBCBE1}">
-              <a14:hiddenEffects xmlns:a14="http://schemas.microsoft.com/office/drawing/2010/main" xmlns="">
+              <a14:hiddenEffects xmlns="" xmlns:a14="http://schemas.microsoft.com/office/drawing/2010/main">
                 <a:effectLst>
                   <a:outerShdw blurRad="63500" dist="38099" dir="2700000" algn="ctr" rotWithShape="0">
                     <a:schemeClr val="bg2">
@@ -7087,7 +7087,7 @@
           <a:effectLst/>
           <a:extLst>
             <a:ext uri="{AF507438-7753-43e0-B8FC-AC1667EBCBE1}">
-              <a14:hiddenEffects xmlns:a14="http://schemas.microsoft.com/office/drawing/2010/main" xmlns="">
+              <a14:hiddenEffects xmlns="" xmlns:a14="http://schemas.microsoft.com/office/drawing/2010/main">
                 <a:effectLst>
                   <a:outerShdw blurRad="63500" dist="38099" dir="2700000" algn="ctr" rotWithShape="0">
                     <a:schemeClr val="bg2">
@@ -7144,14 +7144,14 @@
           <a:effectLst/>
           <a:extLst>
             <a:ext uri="{909E8E84-426E-40dd-AFC4-6F175D3DCCD1}">
-              <a14:hiddenFill xmlns:a14="http://schemas.microsoft.com/office/drawing/2010/main" xmlns="">
+              <a14:hiddenFill xmlns="" xmlns:a14="http://schemas.microsoft.com/office/drawing/2010/main">
                 <a:solidFill>
                   <a:srgbClr val="9954DE"/>
                 </a:solidFill>
               </a14:hiddenFill>
             </a:ext>
             <a:ext uri="{91240B29-F687-4f45-9708-019B960494DF}">
-              <a14:hiddenLine xmlns:a14="http://schemas.microsoft.com/office/drawing/2010/main" xmlns="" w="9525">
+              <a14:hiddenLine xmlns="" xmlns:a14="http://schemas.microsoft.com/office/drawing/2010/main" w="9525">
                 <a:solidFill>
                   <a:schemeClr val="tx1"/>
                 </a:solidFill>
@@ -7161,7 +7161,7 @@
               </a14:hiddenLine>
             </a:ext>
             <a:ext uri="{AF507438-7753-43e0-B8FC-AC1667EBCBE1}">
-              <a14:hiddenEffects xmlns:a14="http://schemas.microsoft.com/office/drawing/2010/main" xmlns="">
+              <a14:hiddenEffects xmlns="" xmlns:a14="http://schemas.microsoft.com/office/drawing/2010/main">
                 <a:effectLst>
                   <a:outerShdw blurRad="63500" dist="38099" dir="2700000" algn="ctr" rotWithShape="0">
                     <a:schemeClr val="bg2">
@@ -7218,14 +7218,14 @@
           <a:effectLst/>
           <a:extLst>
             <a:ext uri="{909E8E84-426E-40dd-AFC4-6F175D3DCCD1}">
-              <a14:hiddenFill xmlns:a14="http://schemas.microsoft.com/office/drawing/2010/main" xmlns="">
+              <a14:hiddenFill xmlns="" xmlns:a14="http://schemas.microsoft.com/office/drawing/2010/main">
                 <a:solidFill>
                   <a:srgbClr val="9954DE"/>
                 </a:solidFill>
               </a14:hiddenFill>
             </a:ext>
             <a:ext uri="{91240B29-F687-4f45-9708-019B960494DF}">
-              <a14:hiddenLine xmlns:a14="http://schemas.microsoft.com/office/drawing/2010/main" xmlns="" w="9525">
+              <a14:hiddenLine xmlns="" xmlns:a14="http://schemas.microsoft.com/office/drawing/2010/main" w="9525">
                 <a:solidFill>
                   <a:schemeClr val="tx1"/>
                 </a:solidFill>
@@ -7235,7 +7235,7 @@
               </a14:hiddenLine>
             </a:ext>
             <a:ext uri="{AF507438-7753-43e0-B8FC-AC1667EBCBE1}">
-              <a14:hiddenEffects xmlns:a14="http://schemas.microsoft.com/office/drawing/2010/main" xmlns="">
+              <a14:hiddenEffects xmlns="" xmlns:a14="http://schemas.microsoft.com/office/drawing/2010/main">
                 <a:effectLst>
                   <a:outerShdw blurRad="63500" dist="38099" dir="2700000" algn="ctr" rotWithShape="0">
                     <a:schemeClr val="bg2">
@@ -7406,7 +7406,7 @@
           <a:effectLst/>
           <a:extLst>
             <a:ext uri="{AF507438-7753-43e0-B8FC-AC1667EBCBE1}">
-              <a14:hiddenEffects xmlns:a14="http://schemas.microsoft.com/office/drawing/2010/main" xmlns="">
+              <a14:hiddenEffects xmlns="" xmlns:a14="http://schemas.microsoft.com/office/drawing/2010/main">
                 <a:effectLst>
                   <a:outerShdw blurRad="63500" dist="38099" dir="2700000" algn="ctr" rotWithShape="0">
                     <a:schemeClr val="bg2">
@@ -7463,14 +7463,14 @@
           <a:effectLst/>
           <a:extLst>
             <a:ext uri="{909E8E84-426E-40dd-AFC4-6F175D3DCCD1}">
-              <a14:hiddenFill xmlns:a14="http://schemas.microsoft.com/office/drawing/2010/main" xmlns="">
+              <a14:hiddenFill xmlns="" xmlns:a14="http://schemas.microsoft.com/office/drawing/2010/main">
                 <a:solidFill>
                   <a:srgbClr val="9954DE"/>
                 </a:solidFill>
               </a14:hiddenFill>
             </a:ext>
             <a:ext uri="{91240B29-F687-4f45-9708-019B960494DF}">
-              <a14:hiddenLine xmlns:a14="http://schemas.microsoft.com/office/drawing/2010/main" xmlns="" w="9525">
+              <a14:hiddenLine xmlns="" xmlns:a14="http://schemas.microsoft.com/office/drawing/2010/main" w="9525">
                 <a:solidFill>
                   <a:schemeClr val="tx1"/>
                 </a:solidFill>
@@ -7480,7 +7480,7 @@
               </a14:hiddenLine>
             </a:ext>
             <a:ext uri="{AF507438-7753-43e0-B8FC-AC1667EBCBE1}">
-              <a14:hiddenEffects xmlns:a14="http://schemas.microsoft.com/office/drawing/2010/main" xmlns="">
+              <a14:hiddenEffects xmlns="" xmlns:a14="http://schemas.microsoft.com/office/drawing/2010/main">
                 <a:effectLst>
                   <a:outerShdw blurRad="63500" dist="38099" dir="2700000" algn="ctr" rotWithShape="0">
                     <a:schemeClr val="bg2">
@@ -7537,14 +7537,14 @@
           <a:effectLst/>
           <a:extLst>
             <a:ext uri="{909E8E84-426E-40dd-AFC4-6F175D3DCCD1}">
-              <a14:hiddenFill xmlns:a14="http://schemas.microsoft.com/office/drawing/2010/main" xmlns="">
+              <a14:hiddenFill xmlns="" xmlns:a14="http://schemas.microsoft.com/office/drawing/2010/main">
                 <a:solidFill>
                   <a:srgbClr val="9954DE"/>
                 </a:solidFill>
               </a14:hiddenFill>
             </a:ext>
             <a:ext uri="{91240B29-F687-4f45-9708-019B960494DF}">
-              <a14:hiddenLine xmlns:a14="http://schemas.microsoft.com/office/drawing/2010/main" xmlns="" w="9525">
+              <a14:hiddenLine xmlns="" xmlns:a14="http://schemas.microsoft.com/office/drawing/2010/main" w="9525">
                 <a:solidFill>
                   <a:schemeClr val="tx1"/>
                 </a:solidFill>
@@ -7554,7 +7554,7 @@
               </a14:hiddenLine>
             </a:ext>
             <a:ext uri="{AF507438-7753-43e0-B8FC-AC1667EBCBE1}">
-              <a14:hiddenEffects xmlns:a14="http://schemas.microsoft.com/office/drawing/2010/main" xmlns="">
+              <a14:hiddenEffects xmlns="" xmlns:a14="http://schemas.microsoft.com/office/drawing/2010/main">
                 <a:effectLst>
                   <a:outerShdw blurRad="63500" dist="38099" dir="2700000" algn="ctr" rotWithShape="0">
                     <a:schemeClr val="bg2">
@@ -7618,7 +7618,7 @@
           <a:effectLst/>
           <a:extLst>
             <a:ext uri="{AF507438-7753-43e0-B8FC-AC1667EBCBE1}">
-              <a14:hiddenEffects xmlns:a14="http://schemas.microsoft.com/office/drawing/2010/main" xmlns="">
+              <a14:hiddenEffects xmlns="" xmlns:a14="http://schemas.microsoft.com/office/drawing/2010/main">
                 <a:effectLst>
                   <a:outerShdw blurRad="63500" dist="38099" dir="2700000" algn="ctr" rotWithShape="0">
                     <a:schemeClr val="bg2">
@@ -7683,14 +7683,14 @@
           <a:effectLst/>
           <a:extLst>
             <a:ext uri="{909E8E84-426E-40dd-AFC4-6F175D3DCCD1}">
-              <a14:hiddenFill xmlns:a14="http://schemas.microsoft.com/office/drawing/2010/main" xmlns="">
+              <a14:hiddenFill xmlns="" xmlns:a14="http://schemas.microsoft.com/office/drawing/2010/main">
                 <a:solidFill>
                   <a:srgbClr val="9954DE"/>
                 </a:solidFill>
               </a14:hiddenFill>
             </a:ext>
             <a:ext uri="{AF507438-7753-43e0-B8FC-AC1667EBCBE1}">
-              <a14:hiddenEffects xmlns:a14="http://schemas.microsoft.com/office/drawing/2010/main" xmlns="">
+              <a14:hiddenEffects xmlns="" xmlns:a14="http://schemas.microsoft.com/office/drawing/2010/main">
                 <a:effectLst>
                   <a:outerShdw blurRad="63500" dist="38099" dir="2700000" algn="ctr" rotWithShape="0">
                     <a:schemeClr val="bg2">
@@ -7738,14 +7738,14 @@
           <a:effectLst/>
           <a:extLst>
             <a:ext uri="{909E8E84-426E-40dd-AFC4-6F175D3DCCD1}">
-              <a14:hiddenFill xmlns:a14="http://schemas.microsoft.com/office/drawing/2010/main" xmlns="">
+              <a14:hiddenFill xmlns="" xmlns:a14="http://schemas.microsoft.com/office/drawing/2010/main">
                 <a:solidFill>
                   <a:srgbClr val="9954DE"/>
                 </a:solidFill>
               </a14:hiddenFill>
             </a:ext>
             <a:ext uri="{91240B29-F687-4f45-9708-019B960494DF}">
-              <a14:hiddenLine xmlns:a14="http://schemas.microsoft.com/office/drawing/2010/main" xmlns="" w="9525">
+              <a14:hiddenLine xmlns="" xmlns:a14="http://schemas.microsoft.com/office/drawing/2010/main" w="9525">
                 <a:solidFill>
                   <a:schemeClr val="tx1"/>
                 </a:solidFill>
@@ -7755,7 +7755,7 @@
               </a14:hiddenLine>
             </a:ext>
             <a:ext uri="{AF507438-7753-43e0-B8FC-AC1667EBCBE1}">
-              <a14:hiddenEffects xmlns:a14="http://schemas.microsoft.com/office/drawing/2010/main" xmlns="">
+              <a14:hiddenEffects xmlns="" xmlns:a14="http://schemas.microsoft.com/office/drawing/2010/main">
                 <a:effectLst>
                   <a:outerShdw blurRad="63500" dist="38099" dir="2700000" algn="ctr" rotWithShape="0">
                     <a:schemeClr val="bg2">
@@ -8241,7 +8241,7 @@
           <a:effectLst/>
           <a:extLst>
             <a:ext uri="{AF507438-7753-43e0-B8FC-AC1667EBCBE1}">
-              <a14:hiddenEffects xmlns:a14="http://schemas.microsoft.com/office/drawing/2010/main" xmlns="">
+              <a14:hiddenEffects xmlns="" xmlns:a14="http://schemas.microsoft.com/office/drawing/2010/main">
                 <a:effectLst>
                   <a:outerShdw blurRad="63500" dist="38099" dir="2700000" algn="ctr" rotWithShape="0">
                     <a:schemeClr val="bg2">
@@ -8296,7 +8296,7 @@
           <a:effectLst/>
           <a:extLst>
             <a:ext uri="{AF507438-7753-43e0-B8FC-AC1667EBCBE1}">
-              <a14:hiddenEffects xmlns:a14="http://schemas.microsoft.com/office/drawing/2010/main" xmlns="">
+              <a14:hiddenEffects xmlns="" xmlns:a14="http://schemas.microsoft.com/office/drawing/2010/main">
                 <a:effectLst>
                   <a:outerShdw blurRad="63500" dist="38099" dir="2700000" algn="ctr" rotWithShape="0">
                     <a:schemeClr val="bg2">
@@ -8360,7 +8360,7 @@
           <a:effectLst/>
           <a:extLst>
             <a:ext uri="{AF507438-7753-43e0-B8FC-AC1667EBCBE1}">
-              <a14:hiddenEffects xmlns:a14="http://schemas.microsoft.com/office/drawing/2010/main" xmlns="">
+              <a14:hiddenEffects xmlns="" xmlns:a14="http://schemas.microsoft.com/office/drawing/2010/main">
                 <a:effectLst>
                   <a:outerShdw blurRad="63500" dist="38099" dir="2700000" algn="ctr" rotWithShape="0">
                     <a:schemeClr val="bg2">
@@ -8417,14 +8417,14 @@
           <a:effectLst/>
           <a:extLst>
             <a:ext uri="{909E8E84-426E-40dd-AFC4-6F175D3DCCD1}">
-              <a14:hiddenFill xmlns:a14="http://schemas.microsoft.com/office/drawing/2010/main" xmlns="">
+              <a14:hiddenFill xmlns="" xmlns:a14="http://schemas.microsoft.com/office/drawing/2010/main">
                 <a:solidFill>
                   <a:srgbClr val="9954DE"/>
                 </a:solidFill>
               </a14:hiddenFill>
             </a:ext>
             <a:ext uri="{91240B29-F687-4f45-9708-019B960494DF}">
-              <a14:hiddenLine xmlns:a14="http://schemas.microsoft.com/office/drawing/2010/main" xmlns="" w="9525">
+              <a14:hiddenLine xmlns="" xmlns:a14="http://schemas.microsoft.com/office/drawing/2010/main" w="9525">
                 <a:solidFill>
                   <a:schemeClr val="tx1"/>
                 </a:solidFill>
@@ -8434,7 +8434,7 @@
               </a14:hiddenLine>
             </a:ext>
             <a:ext uri="{AF507438-7753-43e0-B8FC-AC1667EBCBE1}">
-              <a14:hiddenEffects xmlns:a14="http://schemas.microsoft.com/office/drawing/2010/main" xmlns="">
+              <a14:hiddenEffects xmlns="" xmlns:a14="http://schemas.microsoft.com/office/drawing/2010/main">
                 <a:effectLst>
                   <a:outerShdw blurRad="63500" dist="38099" dir="2700000" algn="ctr" rotWithShape="0">
                     <a:schemeClr val="bg2">
@@ -8491,14 +8491,14 @@
           <a:effectLst/>
           <a:extLst>
             <a:ext uri="{909E8E84-426E-40dd-AFC4-6F175D3DCCD1}">
-              <a14:hiddenFill xmlns:a14="http://schemas.microsoft.com/office/drawing/2010/main" xmlns="">
+              <a14:hiddenFill xmlns="" xmlns:a14="http://schemas.microsoft.com/office/drawing/2010/main">
                 <a:solidFill>
                   <a:srgbClr val="9954DE"/>
                 </a:solidFill>
               </a14:hiddenFill>
             </a:ext>
             <a:ext uri="{91240B29-F687-4f45-9708-019B960494DF}">
-              <a14:hiddenLine xmlns:a14="http://schemas.microsoft.com/office/drawing/2010/main" xmlns="" w="9525">
+              <a14:hiddenLine xmlns="" xmlns:a14="http://schemas.microsoft.com/office/drawing/2010/main" w="9525">
                 <a:solidFill>
                   <a:schemeClr val="tx1"/>
                 </a:solidFill>
@@ -8508,7 +8508,7 @@
               </a14:hiddenLine>
             </a:ext>
             <a:ext uri="{AF507438-7753-43e0-B8FC-AC1667EBCBE1}">
-              <a14:hiddenEffects xmlns:a14="http://schemas.microsoft.com/office/drawing/2010/main" xmlns="">
+              <a14:hiddenEffects xmlns="" xmlns:a14="http://schemas.microsoft.com/office/drawing/2010/main">
                 <a:effectLst>
                   <a:outerShdw blurRad="63500" dist="38099" dir="2700000" algn="ctr" rotWithShape="0">
                     <a:schemeClr val="bg2">
@@ -8572,7 +8572,7 @@
           <a:effectLst/>
           <a:extLst>
             <a:ext uri="{AF507438-7753-43e0-B8FC-AC1667EBCBE1}">
-              <a14:hiddenEffects xmlns:a14="http://schemas.microsoft.com/office/drawing/2010/main" xmlns="">
+              <a14:hiddenEffects xmlns="" xmlns:a14="http://schemas.microsoft.com/office/drawing/2010/main">
                 <a:effectLst>
                   <a:outerShdw blurRad="63500" dist="38099" dir="2700000" algn="ctr" rotWithShape="0">
                     <a:schemeClr val="bg2">
@@ -8637,14 +8637,14 @@
           <a:effectLst/>
           <a:extLst>
             <a:ext uri="{909E8E84-426E-40dd-AFC4-6F175D3DCCD1}">
-              <a14:hiddenFill xmlns:a14="http://schemas.microsoft.com/office/drawing/2010/main" xmlns="">
+              <a14:hiddenFill xmlns="" xmlns:a14="http://schemas.microsoft.com/office/drawing/2010/main">
                 <a:solidFill>
                   <a:srgbClr val="9954DE"/>
                 </a:solidFill>
               </a14:hiddenFill>
             </a:ext>
             <a:ext uri="{AF507438-7753-43e0-B8FC-AC1667EBCBE1}">
-              <a14:hiddenEffects xmlns:a14="http://schemas.microsoft.com/office/drawing/2010/main" xmlns="">
+              <a14:hiddenEffects xmlns="" xmlns:a14="http://schemas.microsoft.com/office/drawing/2010/main">
                 <a:effectLst>
                   <a:outerShdw blurRad="63500" dist="38099" dir="2700000" algn="ctr" rotWithShape="0">
                     <a:schemeClr val="bg2">
@@ -8692,14 +8692,14 @@
           <a:effectLst/>
           <a:extLst>
             <a:ext uri="{909E8E84-426E-40dd-AFC4-6F175D3DCCD1}">
-              <a14:hiddenFill xmlns:a14="http://schemas.microsoft.com/office/drawing/2010/main" xmlns="">
+              <a14:hiddenFill xmlns="" xmlns:a14="http://schemas.microsoft.com/office/drawing/2010/main">
                 <a:solidFill>
                   <a:srgbClr val="9954DE"/>
                 </a:solidFill>
               </a14:hiddenFill>
             </a:ext>
             <a:ext uri="{91240B29-F687-4f45-9708-019B960494DF}">
-              <a14:hiddenLine xmlns:a14="http://schemas.microsoft.com/office/drawing/2010/main" xmlns="" w="9525">
+              <a14:hiddenLine xmlns="" xmlns:a14="http://schemas.microsoft.com/office/drawing/2010/main" w="9525">
                 <a:solidFill>
                   <a:schemeClr val="tx1"/>
                 </a:solidFill>
@@ -8709,7 +8709,7 @@
               </a14:hiddenLine>
             </a:ext>
             <a:ext uri="{AF507438-7753-43e0-B8FC-AC1667EBCBE1}">
-              <a14:hiddenEffects xmlns:a14="http://schemas.microsoft.com/office/drawing/2010/main" xmlns="">
+              <a14:hiddenEffects xmlns="" xmlns:a14="http://schemas.microsoft.com/office/drawing/2010/main">
                 <a:effectLst>
                   <a:outerShdw blurRad="63500" dist="38099" dir="2700000" algn="ctr" rotWithShape="0">
                     <a:schemeClr val="bg2">
@@ -8766,14 +8766,14 @@
           <a:effectLst/>
           <a:extLst>
             <a:ext uri="{909E8E84-426E-40dd-AFC4-6F175D3DCCD1}">
-              <a14:hiddenFill xmlns:a14="http://schemas.microsoft.com/office/drawing/2010/main" xmlns="">
+              <a14:hiddenFill xmlns="" xmlns:a14="http://schemas.microsoft.com/office/drawing/2010/main">
                 <a:solidFill>
                   <a:srgbClr val="9954DE"/>
                 </a:solidFill>
               </a14:hiddenFill>
             </a:ext>
             <a:ext uri="{91240B29-F687-4f45-9708-019B960494DF}">
-              <a14:hiddenLine xmlns:a14="http://schemas.microsoft.com/office/drawing/2010/main" xmlns="" w="9525">
+              <a14:hiddenLine xmlns="" xmlns:a14="http://schemas.microsoft.com/office/drawing/2010/main" w="9525">
                 <a:solidFill>
                   <a:schemeClr val="tx1"/>
                 </a:solidFill>
@@ -8783,7 +8783,7 @@
               </a14:hiddenLine>
             </a:ext>
             <a:ext uri="{AF507438-7753-43e0-B8FC-AC1667EBCBE1}">
-              <a14:hiddenEffects xmlns:a14="http://schemas.microsoft.com/office/drawing/2010/main" xmlns="">
+              <a14:hiddenEffects xmlns="" xmlns:a14="http://schemas.microsoft.com/office/drawing/2010/main">
                 <a:effectLst>
                   <a:outerShdw blurRad="63500" dist="38099" dir="2700000" algn="ctr" rotWithShape="0">
                     <a:schemeClr val="bg2">
